--- a/ICT/ICT/ICT slides/Lecture 7 slides (ICT).pptx
+++ b/ICT/ICT/ICT slides/Lecture 7 slides (ICT).pptx
@@ -217,7 +217,7 @@
           <a:p>
             <a:fld id="{1FB87873-B5E4-4AA6-9C7E-A90751762863}" type="datetimeFigureOut">
               <a:rPr lang="en-PK" smtClean="0"/>
-              <a:t>17/11/2024</a:t>
+              <a:t>04/21/2025</a:t>
             </a:fld>
             <a:endParaRPr lang="en-PK"/>
           </a:p>
@@ -671,7 +671,7 @@
           <a:p>
             <a:fld id="{285CCA55-E385-4BD4-8F8C-55EEF080A453}" type="datetimeFigureOut">
               <a:rPr lang="en-PK" smtClean="0"/>
-              <a:t>17/11/2024</a:t>
+              <a:t>04/21/2025</a:t>
             </a:fld>
             <a:endParaRPr lang="en-PK"/>
           </a:p>
@@ -946,7 +946,7 @@
           <a:p>
             <a:fld id="{285CCA55-E385-4BD4-8F8C-55EEF080A453}" type="datetimeFigureOut">
               <a:rPr lang="en-PK" smtClean="0"/>
-              <a:t>17/11/2024</a:t>
+              <a:t>04/21/2025</a:t>
             </a:fld>
             <a:endParaRPr lang="en-PK"/>
           </a:p>
@@ -1140,7 +1140,7 @@
           <a:p>
             <a:fld id="{285CCA55-E385-4BD4-8F8C-55EEF080A453}" type="datetimeFigureOut">
               <a:rPr lang="en-PK" smtClean="0"/>
-              <a:t>17/11/2024</a:t>
+              <a:t>04/21/2025</a:t>
             </a:fld>
             <a:endParaRPr lang="en-PK"/>
           </a:p>
@@ -1413,7 +1413,7 @@
           <a:p>
             <a:fld id="{285CCA55-E385-4BD4-8F8C-55EEF080A453}" type="datetimeFigureOut">
               <a:rPr lang="en-PK" smtClean="0"/>
-              <a:t>17/11/2024</a:t>
+              <a:t>04/21/2025</a:t>
             </a:fld>
             <a:endParaRPr lang="en-PK"/>
           </a:p>
@@ -1754,7 +1754,7 @@
           <a:p>
             <a:fld id="{285CCA55-E385-4BD4-8F8C-55EEF080A453}" type="datetimeFigureOut">
               <a:rPr lang="en-PK" smtClean="0"/>
-              <a:t>17/11/2024</a:t>
+              <a:t>04/21/2025</a:t>
             </a:fld>
             <a:endParaRPr lang="en-PK"/>
           </a:p>
@@ -2377,7 +2377,7 @@
           <a:p>
             <a:fld id="{285CCA55-E385-4BD4-8F8C-55EEF080A453}" type="datetimeFigureOut">
               <a:rPr lang="en-PK" smtClean="0"/>
-              <a:t>17/11/2024</a:t>
+              <a:t>04/21/2025</a:t>
             </a:fld>
             <a:endParaRPr lang="en-PK"/>
           </a:p>
@@ -3237,7 +3237,7 @@
           <a:p>
             <a:fld id="{285CCA55-E385-4BD4-8F8C-55EEF080A453}" type="datetimeFigureOut">
               <a:rPr lang="en-PK" smtClean="0"/>
-              <a:t>17/11/2024</a:t>
+              <a:t>04/21/2025</a:t>
             </a:fld>
             <a:endParaRPr lang="en-PK"/>
           </a:p>
@@ -3407,7 +3407,7 @@
           <a:p>
             <a:fld id="{285CCA55-E385-4BD4-8F8C-55EEF080A453}" type="datetimeFigureOut">
               <a:rPr lang="en-PK" smtClean="0"/>
-              <a:t>17/11/2024</a:t>
+              <a:t>04/21/2025</a:t>
             </a:fld>
             <a:endParaRPr lang="en-PK"/>
           </a:p>
@@ -3587,7 +3587,7 @@
           <a:p>
             <a:fld id="{285CCA55-E385-4BD4-8F8C-55EEF080A453}" type="datetimeFigureOut">
               <a:rPr lang="en-PK" smtClean="0"/>
-              <a:t>17/11/2024</a:t>
+              <a:t>04/21/2025</a:t>
             </a:fld>
             <a:endParaRPr lang="en-PK"/>
           </a:p>
@@ -3757,7 +3757,7 @@
           <a:p>
             <a:fld id="{285CCA55-E385-4BD4-8F8C-55EEF080A453}" type="datetimeFigureOut">
               <a:rPr lang="en-PK" smtClean="0"/>
-              <a:t>17/11/2024</a:t>
+              <a:t>04/21/2025</a:t>
             </a:fld>
             <a:endParaRPr lang="en-PK"/>
           </a:p>
@@ -4004,7 +4004,7 @@
           <a:p>
             <a:fld id="{285CCA55-E385-4BD4-8F8C-55EEF080A453}" type="datetimeFigureOut">
               <a:rPr lang="en-PK" smtClean="0"/>
-              <a:t>17/11/2024</a:t>
+              <a:t>04/21/2025</a:t>
             </a:fld>
             <a:endParaRPr lang="en-PK"/>
           </a:p>
@@ -4296,7 +4296,7 @@
           <a:p>
             <a:fld id="{285CCA55-E385-4BD4-8F8C-55EEF080A453}" type="datetimeFigureOut">
               <a:rPr lang="en-PK" smtClean="0"/>
-              <a:t>17/11/2024</a:t>
+              <a:t>04/21/2025</a:t>
             </a:fld>
             <a:endParaRPr lang="en-PK"/>
           </a:p>
@@ -4740,7 +4740,7 @@
           <a:p>
             <a:fld id="{285CCA55-E385-4BD4-8F8C-55EEF080A453}" type="datetimeFigureOut">
               <a:rPr lang="en-PK" smtClean="0"/>
-              <a:t>17/11/2024</a:t>
+              <a:t>04/21/2025</a:t>
             </a:fld>
             <a:endParaRPr lang="en-PK"/>
           </a:p>
@@ -4858,7 +4858,7 @@
           <a:p>
             <a:fld id="{285CCA55-E385-4BD4-8F8C-55EEF080A453}" type="datetimeFigureOut">
               <a:rPr lang="en-PK" smtClean="0"/>
-              <a:t>17/11/2024</a:t>
+              <a:t>04/21/2025</a:t>
             </a:fld>
             <a:endParaRPr lang="en-PK"/>
           </a:p>
@@ -4953,7 +4953,7 @@
           <a:p>
             <a:fld id="{285CCA55-E385-4BD4-8F8C-55EEF080A453}" type="datetimeFigureOut">
               <a:rPr lang="en-PK" smtClean="0"/>
-              <a:t>17/11/2024</a:t>
+              <a:t>04/21/2025</a:t>
             </a:fld>
             <a:endParaRPr lang="en-PK"/>
           </a:p>
@@ -5232,7 +5232,7 @@
           <a:p>
             <a:fld id="{285CCA55-E385-4BD4-8F8C-55EEF080A453}" type="datetimeFigureOut">
               <a:rPr lang="en-PK" smtClean="0"/>
-              <a:t>17/11/2024</a:t>
+              <a:t>04/21/2025</a:t>
             </a:fld>
             <a:endParaRPr lang="en-PK"/>
           </a:p>
@@ -5507,7 +5507,7 @@
           <a:p>
             <a:fld id="{285CCA55-E385-4BD4-8F8C-55EEF080A453}" type="datetimeFigureOut">
               <a:rPr lang="en-PK" smtClean="0"/>
-              <a:t>17/11/2024</a:t>
+              <a:t>04/21/2025</a:t>
             </a:fld>
             <a:endParaRPr lang="en-PK"/>
           </a:p>
@@ -5936,7 +5936,7 @@
           <a:p>
             <a:fld id="{285CCA55-E385-4BD4-8F8C-55EEF080A453}" type="datetimeFigureOut">
               <a:rPr lang="en-PK" smtClean="0"/>
-              <a:t>17/11/2024</a:t>
+              <a:t>04/21/2025</a:t>
             </a:fld>
             <a:endParaRPr lang="en-PK"/>
           </a:p>
